--- a/Slides/Week 5 - Build Dictionary.pptx
+++ b/Slides/Week 5 - Build Dictionary.pptx
@@ -13,7 +13,6 @@
     <p:sldId id="260" r:id="rId7"/>
     <p:sldId id="261" r:id="rId8"/>
     <p:sldId id="262" r:id="rId9"/>
-    <p:sldId id="263" r:id="rId10"/>
   </p:sldIdLst>
   <p:sldSz cx="9144000" cy="6858000" type="screen4x3"/>
   <p:notesSz cx="6858000" cy="9144000"/>
@@ -396,7 +395,7 @@
             <a:fld id="{9D21D778-B565-4D7E-94D7-64010A445B68}" type="datetimeFigureOut">
               <a:rPr lang="en-US" smtClean="0"/>
               <a:pPr/>
-              <a:t>2/5/2019</a:t>
+              <a:t>3/16/2019</a:t>
             </a:fld>
             <a:endParaRPr lang="en-US"/>
           </a:p>
@@ -797,7 +796,7 @@
             <a:fld id="{9D21D778-B565-4D7E-94D7-64010A445B68}" type="datetimeFigureOut">
               <a:rPr lang="en-US" smtClean="0"/>
               <a:pPr/>
-              <a:t>2/5/2019</a:t>
+              <a:t>3/16/2019</a:t>
             </a:fld>
             <a:endParaRPr lang="en-US"/>
           </a:p>
@@ -1332,7 +1331,7 @@
             <a:fld id="{9D21D778-B565-4D7E-94D7-64010A445B68}" type="datetimeFigureOut">
               <a:rPr lang="en-US" smtClean="0"/>
               <a:pPr/>
-              <a:t>2/5/2019</a:t>
+              <a:t>3/16/2019</a:t>
             </a:fld>
             <a:endParaRPr lang="en-US"/>
           </a:p>
@@ -1466,7 +1465,7 @@
             <a:fld id="{9D21D778-B565-4D7E-94D7-64010A445B68}" type="datetimeFigureOut">
               <a:rPr lang="en-US" smtClean="0"/>
               <a:pPr/>
-              <a:t>2/5/2019</a:t>
+              <a:t>3/16/2019</a:t>
             </a:fld>
             <a:endParaRPr lang="en-US"/>
           </a:p>
@@ -2011,7 +2010,7 @@
             <a:fld id="{9D21D778-B565-4D7E-94D7-64010A445B68}" type="datetimeFigureOut">
               <a:rPr lang="en-US" smtClean="0"/>
               <a:pPr/>
-              <a:t>2/5/2019</a:t>
+              <a:t>3/16/2019</a:t>
             </a:fld>
             <a:endParaRPr lang="en-US"/>
           </a:p>
@@ -2314,7 +2313,7 @@
             <a:fld id="{9D21D778-B565-4D7E-94D7-64010A445B68}" type="datetimeFigureOut">
               <a:rPr lang="en-US" smtClean="0"/>
               <a:pPr/>
-              <a:t>2/5/2019</a:t>
+              <a:t>3/16/2019</a:t>
             </a:fld>
             <a:endParaRPr lang="en-US"/>
           </a:p>
@@ -2975,7 +2974,7 @@
             <a:fld id="{9D21D778-B565-4D7E-94D7-64010A445B68}" type="datetimeFigureOut">
               <a:rPr lang="en-US" smtClean="0"/>
               <a:pPr/>
-              <a:t>2/5/2019</a:t>
+              <a:t>3/16/2019</a:t>
             </a:fld>
             <a:endParaRPr lang="en-US"/>
           </a:p>
@@ -3414,7 +3413,7 @@
             <a:fld id="{9D21D778-B565-4D7E-94D7-64010A445B68}" type="datetimeFigureOut">
               <a:rPr lang="en-US" smtClean="0"/>
               <a:pPr/>
-              <a:t>2/5/2019</a:t>
+              <a:t>3/16/2019</a:t>
             </a:fld>
             <a:endParaRPr lang="en-US"/>
           </a:p>
@@ -3729,7 +3728,7 @@
             <a:fld id="{9D21D778-B565-4D7E-94D7-64010A445B68}" type="datetimeFigureOut">
               <a:rPr lang="en-US" smtClean="0"/>
               <a:pPr/>
-              <a:t>2/5/2019</a:t>
+              <a:t>3/16/2019</a:t>
             </a:fld>
             <a:endParaRPr lang="en-US"/>
           </a:p>
@@ -4474,7 +4473,7 @@
             <a:fld id="{9D21D778-B565-4D7E-94D7-64010A445B68}" type="datetimeFigureOut">
               <a:rPr lang="en-US" smtClean="0"/>
               <a:pPr/>
-              <a:t>2/5/2019</a:t>
+              <a:t>3/16/2019</a:t>
             </a:fld>
             <a:endParaRPr lang="en-US"/>
           </a:p>
@@ -5140,7 +5139,7 @@
             <a:fld id="{9D21D778-B565-4D7E-94D7-64010A445B68}" type="datetimeFigureOut">
               <a:rPr lang="en-US" smtClean="0"/>
               <a:pPr/>
-              <a:t>2/5/2019</a:t>
+              <a:t>3/16/2019</a:t>
             </a:fld>
             <a:endParaRPr lang="en-US" dirty="0"/>
           </a:p>
@@ -5415,7 +5414,7 @@
             <a:fld id="{9D21D778-B565-4D7E-94D7-64010A445B68}" type="datetimeFigureOut">
               <a:rPr lang="en-US" smtClean="0"/>
               <a:pPr algn="r" eaLnBrk="1" latinLnBrk="0" hangingPunct="1"/>
-              <a:t>2/5/2019</a:t>
+              <a:t>3/16/2019</a:t>
             </a:fld>
             <a:endParaRPr lang="en-US" sz="1400" dirty="0">
               <a:solidFill>
@@ -7134,77 +7133,6 @@
       </p:par>
     </p:tnLst>
   </p:timing>
-</p:sld>
-</file>
-
-<file path=ppt/slides/slide9.xml><?xml version="1.0" encoding="utf-8"?>
-<p:sld xmlns:a="http://schemas.openxmlformats.org/drawingml/2006/main" xmlns:r="http://schemas.openxmlformats.org/officeDocument/2006/relationships" xmlns:p="http://schemas.openxmlformats.org/presentationml/2006/main">
-  <p:cSld>
-    <p:spTree>
-      <p:nvGrpSpPr>
-        <p:cNvPr id="1" name=""/>
-        <p:cNvGrpSpPr/>
-        <p:nvPr/>
-      </p:nvGrpSpPr>
-      <p:grpSpPr>
-        <a:xfrm>
-          <a:off x="0" y="0"/>
-          <a:ext cx="0" cy="0"/>
-          <a:chOff x="0" y="0"/>
-          <a:chExt cx="0" cy="0"/>
-        </a:xfrm>
-      </p:grpSpPr>
-      <p:sp>
-        <p:nvSpPr>
-          <p:cNvPr id="7" name="TextBox 6"/>
-          <p:cNvSpPr txBox="1"/>
-          <p:nvPr/>
-        </p:nvSpPr>
-        <p:spPr>
-          <a:xfrm>
-            <a:off x="2800878" y="2362200"/>
-            <a:ext cx="3895618" cy="830997"/>
-          </a:xfrm>
-          <a:prstGeom prst="rect">
-            <a:avLst/>
-          </a:prstGeom>
-          <a:noFill/>
-        </p:spPr>
-        <p:txBody>
-          <a:bodyPr wrap="none" rtlCol="0">
-            <a:spAutoFit/>
-          </a:bodyPr>
-          <a:lstStyle/>
-          <a:p>
-            <a:r>
-              <a:rPr lang="en-US" sz="4800" dirty="0" smtClean="0">
-                <a:solidFill>
-                  <a:schemeClr val="bg2">
-                    <a:lumMod val="50000"/>
-                  </a:schemeClr>
-                </a:solidFill>
-                <a:latin typeface="Khmer OS Siemreap" pitchFamily="2" charset="0"/>
-                <a:cs typeface="Khmer OS Siemreap" pitchFamily="2" charset="0"/>
-              </a:rPr>
-              <a:t>example01.py</a:t>
-            </a:r>
-            <a:endParaRPr lang="en-US" sz="4800" dirty="0">
-              <a:solidFill>
-                <a:schemeClr val="bg2">
-                  <a:lumMod val="50000"/>
-                </a:schemeClr>
-              </a:solidFill>
-              <a:latin typeface="Khmer OS Siemreap" pitchFamily="2" charset="0"/>
-              <a:cs typeface="Khmer OS Siemreap" pitchFamily="2" charset="0"/>
-            </a:endParaRPr>
-          </a:p>
-        </p:txBody>
-      </p:sp>
-    </p:spTree>
-  </p:cSld>
-  <p:clrMapOvr>
-    <a:masterClrMapping/>
-  </p:clrMapOvr>
 </p:sld>
 </file>
 
